--- a/Imputation_Figure/imputation.pptx
+++ b/Imputation_Figure/imputation.pptx
@@ -2996,7 +2996,7 @@
         </p:blipFill>
         <p:spPr>
           <a:xfrm>
-            <a:off x="22436478" y="2913503"/>
+            <a:off x="21097528" y="2913503"/>
             <a:ext cx="4571920" cy="5470520"/>
           </a:xfrm>
           <a:prstGeom prst="rect">
@@ -3027,7 +3027,7 @@
         </p:blipFill>
         <p:spPr>
           <a:xfrm>
-            <a:off x="8397401" y="105161"/>
+            <a:off x="7058451" y="105161"/>
             <a:ext cx="5435506" cy="5470519"/>
           </a:xfrm>
           <a:prstGeom prst="rect">
@@ -3057,7 +3057,7 @@
         </p:blipFill>
         <p:spPr>
           <a:xfrm>
-            <a:off x="8397401" y="6339214"/>
+            <a:off x="7058451" y="6339214"/>
             <a:ext cx="4605788" cy="5316978"/>
           </a:xfrm>
           <a:prstGeom prst="rect">
@@ -3079,7 +3079,7 @@
         </p:nvSpPr>
         <p:spPr>
           <a:xfrm>
-            <a:off x="13449912" y="2492814"/>
+            <a:off x="12110962" y="2492814"/>
             <a:ext cx="1087614" cy="1070668"/>
           </a:xfrm>
           <a:prstGeom prst="mathEqual">
@@ -3129,7 +3129,7 @@
         </p:nvSpPr>
         <p:spPr>
           <a:xfrm>
-            <a:off x="13453917" y="8628518"/>
+            <a:off x="12114967" y="8628518"/>
             <a:ext cx="1087614" cy="1070668"/>
           </a:xfrm>
           <a:prstGeom prst="mathEqual">
@@ -3181,7 +3181,7 @@
             </p:nvSpPr>
             <p:spPr>
               <a:xfrm>
-                <a:off x="20918530" y="2674932"/>
+                <a:off x="19579580" y="2674932"/>
                 <a:ext cx="947057" cy="1569660"/>
               </a:xfrm>
               <a:prstGeom prst="rect">
@@ -3195,6 +3195,7 @@
               </a:bodyPr>
               <a:lstStyle/>
               <a:p>
+                <a:pPr/>
                 <a14:m>
                   <m:oMathPara xmlns:m="http://schemas.openxmlformats.org/officeDocument/2006/math">
                     <m:oMathParaPr>
@@ -3233,7 +3234,7 @@
             </p:nvSpPr>
             <p:spPr>
               <a:xfrm>
-                <a:off x="20918530" y="2674932"/>
+                <a:off x="19579580" y="2674932"/>
                 <a:ext cx="947057" cy="1569660"/>
               </a:xfrm>
               <a:prstGeom prst="rect">
@@ -3277,7 +3278,7 @@
             </p:nvSpPr>
             <p:spPr>
               <a:xfrm>
-                <a:off x="20918530" y="8002840"/>
+                <a:off x="19579580" y="8002840"/>
                 <a:ext cx="947057" cy="1569660"/>
               </a:xfrm>
               <a:prstGeom prst="rect">
@@ -3291,6 +3292,7 @@
               </a:bodyPr>
               <a:lstStyle/>
               <a:p>
+                <a:pPr/>
                 <a14:m>
                   <m:oMathPara xmlns:m="http://schemas.openxmlformats.org/officeDocument/2006/math">
                     <m:oMathParaPr>
@@ -3329,7 +3331,7 @@
             </p:nvSpPr>
             <p:spPr>
               <a:xfrm>
-                <a:off x="20918530" y="8002840"/>
+                <a:off x="19579580" y="8002840"/>
                 <a:ext cx="947057" cy="1569660"/>
               </a:xfrm>
               <a:prstGeom prst="rect">
@@ -3373,7 +3375,7 @@
         </p:nvCxnSpPr>
         <p:spPr>
           <a:xfrm flipV="1">
-            <a:off x="19627812" y="6289144"/>
+            <a:off x="18288862" y="6289144"/>
             <a:ext cx="2740932" cy="2753102"/>
           </a:xfrm>
           <a:prstGeom prst="straightConnector1">
@@ -3412,7 +3414,7 @@
         </p:nvSpPr>
         <p:spPr>
           <a:xfrm>
-            <a:off x="6242538" y="2840420"/>
+            <a:off x="5539196" y="2830640"/>
             <a:ext cx="931878" cy="957857"/>
           </a:xfrm>
           <a:prstGeom prst="mathPlus">
@@ -3458,7 +3460,7 @@
         </p:nvSpPr>
         <p:spPr>
           <a:xfrm>
-            <a:off x="6242538" y="8002840"/>
+            <a:off x="5539196" y="8039846"/>
             <a:ext cx="931878" cy="957857"/>
           </a:xfrm>
           <a:prstGeom prst="mathPlus">
@@ -3506,7 +3508,7 @@
         </p:nvCxnSpPr>
         <p:spPr>
           <a:xfrm>
-            <a:off x="19627812" y="3309569"/>
+            <a:off x="18288862" y="3309569"/>
             <a:ext cx="2740932" cy="2753102"/>
           </a:xfrm>
           <a:prstGeom prst="straightConnector1">
@@ -3584,7 +3586,7 @@
         </p:blipFill>
         <p:spPr>
           <a:xfrm>
-            <a:off x="15055892" y="190975"/>
+            <a:off x="13716942" y="190975"/>
             <a:ext cx="4571920" cy="5384705"/>
           </a:xfrm>
           <a:prstGeom prst="rect">
@@ -3615,7 +3617,7 @@
         </p:blipFill>
         <p:spPr>
           <a:xfrm>
-            <a:off x="15055892" y="6289144"/>
+            <a:off x="13716942" y="6289144"/>
             <a:ext cx="4572000" cy="5358384"/>
           </a:xfrm>
           <a:prstGeom prst="rect">

--- a/Imputation_Figure/imputation.pptx
+++ b/Imputation_Figure/imputation.pptx
@@ -6,6 +6,7 @@
   </p:sldMasterIdLst>
   <p:sldIdLst>
     <p:sldId id="256" r:id="rId2"/>
+    <p:sldId id="257" r:id="rId3"/>
   </p:sldIdLst>
   <p:sldSz cx="27432000" cy="12192000"/>
   <p:notesSz cx="6858000" cy="9144000"/>
@@ -2975,37 +2976,6 @@
       </p:grpSpPr>
       <p:pic>
         <p:nvPicPr>
-          <p:cNvPr id="9" name="Picture 8">
-            <a:extLst>
-              <a:ext uri="{FF2B5EF4-FFF2-40B4-BE49-F238E27FC236}">
-                <a16:creationId xmlns:a16="http://schemas.microsoft.com/office/drawing/2014/main" id="{64C8CE32-568D-7545-D3CF-47E37BC6E52A}"/>
-              </a:ext>
-            </a:extLst>
-          </p:cNvPr>
-          <p:cNvPicPr>
-            <a:picLocks noChangeAspect="1"/>
-          </p:cNvPicPr>
-          <p:nvPr/>
-        </p:nvPicPr>
-        <p:blipFill>
-          <a:blip r:embed="rId2"/>
-          <a:srcRect t="8738" r="7850"/>
-          <a:stretch>
-            <a:fillRect/>
-          </a:stretch>
-        </p:blipFill>
-        <p:spPr>
-          <a:xfrm>
-            <a:off x="21097528" y="2913503"/>
-            <a:ext cx="4571920" cy="5470520"/>
-          </a:xfrm>
-          <a:prstGeom prst="rect">
-            <a:avLst/>
-          </a:prstGeom>
-        </p:spPr>
-      </p:pic>
-      <p:pic>
-        <p:nvPicPr>
           <p:cNvPr id="11" name="Picture 10">
             <a:extLst>
               <a:ext uri="{FF2B5EF4-FFF2-40B4-BE49-F238E27FC236}">
@@ -3019,7 +2989,7 @@
           <p:nvPr/>
         </p:nvPicPr>
         <p:blipFill>
-          <a:blip r:embed="rId3"/>
+          <a:blip r:embed="rId2"/>
           <a:srcRect t="52254" b="2244"/>
           <a:stretch>
             <a:fillRect/>
@@ -3029,36 +2999,6 @@
           <a:xfrm>
             <a:off x="7058451" y="105161"/>
             <a:ext cx="5435506" cy="5470519"/>
-          </a:xfrm>
-          <a:prstGeom prst="rect">
-            <a:avLst/>
-          </a:prstGeom>
-        </p:spPr>
-      </p:pic>
-      <p:pic>
-        <p:nvPicPr>
-          <p:cNvPr id="18" name="Picture 17">
-            <a:extLst>
-              <a:ext uri="{FF2B5EF4-FFF2-40B4-BE49-F238E27FC236}">
-                <a16:creationId xmlns:a16="http://schemas.microsoft.com/office/drawing/2014/main" id="{81BDF038-9845-3D34-8C99-4828EBD8D959}"/>
-              </a:ext>
-            </a:extLst>
-          </p:cNvPr>
-          <p:cNvPicPr>
-            <a:picLocks noChangeAspect="1"/>
-          </p:cNvPicPr>
-          <p:nvPr/>
-        </p:nvPicPr>
-        <p:blipFill>
-          <a:blip r:embed="rId4"/>
-          <a:stretch>
-            <a:fillRect/>
-          </a:stretch>
-        </p:blipFill>
-        <p:spPr>
-          <a:xfrm>
-            <a:off x="7058451" y="6339214"/>
-            <a:ext cx="4605788" cy="5316978"/>
           </a:xfrm>
           <a:prstGeom prst="rect">
             <a:avLst/>
@@ -3165,8 +3105,8 @@
           </a:p>
         </p:txBody>
       </p:sp>
-      <mc:AlternateContent xmlns:mc="http://schemas.openxmlformats.org/markup-compatibility/2006">
-        <mc:Choice xmlns:a14="http://schemas.microsoft.com/office/drawing/2010/main" Requires="a14">
+      <mc:AlternateContent xmlns:mc="http://schemas.openxmlformats.org/markup-compatibility/2006" xmlns:a14="http://schemas.microsoft.com/office/drawing/2010/main">
+        <mc:Choice Requires="a14">
           <p:sp>
             <p:nvSpPr>
               <p:cNvPr id="15" name="TextBox 14">
@@ -3217,7 +3157,7 @@
             </p:txBody>
           </p:sp>
         </mc:Choice>
-        <mc:Fallback>
+        <mc:Fallback xmlns="">
           <p:sp>
             <p:nvSpPr>
               <p:cNvPr id="15" name="TextBox 14">
@@ -3262,8 +3202,8 @@
           </p:sp>
         </mc:Fallback>
       </mc:AlternateContent>
-      <mc:AlternateContent xmlns:mc="http://schemas.openxmlformats.org/markup-compatibility/2006">
-        <mc:Choice xmlns:a14="http://schemas.microsoft.com/office/drawing/2010/main" Requires="a14">
+      <mc:AlternateContent xmlns:mc="http://schemas.openxmlformats.org/markup-compatibility/2006" xmlns:a14="http://schemas.microsoft.com/office/drawing/2010/main">
+        <mc:Choice Requires="a14">
           <p:sp>
             <p:nvSpPr>
               <p:cNvPr id="16" name="TextBox 15">
@@ -3314,7 +3254,7 @@
             </p:txBody>
           </p:sp>
         </mc:Choice>
-        <mc:Fallback>
+        <mc:Fallback xmlns="">
           <p:sp>
             <p:nvSpPr>
               <p:cNvPr id="16" name="TextBox 15">
@@ -3535,10 +3475,10 @@
       </p:cxnSp>
       <p:pic>
         <p:nvPicPr>
-          <p:cNvPr id="48" name="Picture 47">
+          <p:cNvPr id="3" name="Picture 2">
             <a:extLst>
               <a:ext uri="{FF2B5EF4-FFF2-40B4-BE49-F238E27FC236}">
-                <a16:creationId xmlns:a16="http://schemas.microsoft.com/office/drawing/2014/main" id="{96DAAB09-0DEB-3AFE-4739-16223B4E8393}"/>
+                <a16:creationId xmlns:a16="http://schemas.microsoft.com/office/drawing/2014/main" id="{9EC61003-2527-0432-1E82-939E6A4F9330}"/>
               </a:ext>
             </a:extLst>
           </p:cNvPr>
@@ -3549,15 +3489,14 @@
         </p:nvPicPr>
         <p:blipFill>
           <a:blip r:embed="rId6"/>
-          <a:srcRect t="4510"/>
           <a:stretch>
             <a:fillRect/>
           </a:stretch>
         </p:blipFill>
         <p:spPr>
           <a:xfrm>
-            <a:off x="334895" y="2963425"/>
-            <a:ext cx="4616925" cy="5370676"/>
+            <a:off x="21259079" y="2840420"/>
+            <a:ext cx="4499682" cy="5399619"/>
           </a:xfrm>
           <a:prstGeom prst="rect">
             <a:avLst/>
@@ -3566,10 +3505,10 @@
       </p:pic>
       <p:pic>
         <p:nvPicPr>
-          <p:cNvPr id="50" name="Picture 49">
+          <p:cNvPr id="5" name="Picture 4">
             <a:extLst>
               <a:ext uri="{FF2B5EF4-FFF2-40B4-BE49-F238E27FC236}">
-                <a16:creationId xmlns:a16="http://schemas.microsoft.com/office/drawing/2014/main" id="{90270CD9-DC1D-7E8F-2D52-6FA761DCA866}"/>
+                <a16:creationId xmlns:a16="http://schemas.microsoft.com/office/drawing/2014/main" id="{1B016C41-1226-D969-E110-B652289F1214}"/>
               </a:ext>
             </a:extLst>
           </p:cNvPr>
@@ -3586,8 +3525,8 @@
         </p:blipFill>
         <p:spPr>
           <a:xfrm>
-            <a:off x="13716942" y="190975"/>
-            <a:ext cx="4571920" cy="5384705"/>
+            <a:off x="7052143" y="6187067"/>
+            <a:ext cx="4643944" cy="5460461"/>
           </a:xfrm>
           <a:prstGeom prst="rect">
             <a:avLst/>
@@ -3596,29 +3535,124 @@
       </p:pic>
       <p:pic>
         <p:nvPicPr>
-          <p:cNvPr id="52" name="Picture 51">
+          <p:cNvPr id="10" name="Picture 9">
             <a:extLst>
               <a:ext uri="{FF2B5EF4-FFF2-40B4-BE49-F238E27FC236}">
-                <a16:creationId xmlns:a16="http://schemas.microsoft.com/office/drawing/2014/main" id="{54DBC021-EC40-8EF2-3167-06BB44834C02}"/>
+                <a16:creationId xmlns:a16="http://schemas.microsoft.com/office/drawing/2014/main" id="{41029FDD-E4B9-E684-5206-3161047A47C2}"/>
               </a:ext>
             </a:extLst>
           </p:cNvPr>
           <p:cNvPicPr>
-            <a:picLocks/>
+            <a:picLocks noChangeAspect="1"/>
           </p:cNvPicPr>
           <p:nvPr/>
         </p:nvPicPr>
         <p:blipFill>
           <a:blip r:embed="rId8"/>
-          <a:srcRect l="2206"/>
+          <a:srcRect l="1481"/>
           <a:stretch>
             <a:fillRect/>
           </a:stretch>
         </p:blipFill>
         <p:spPr>
           <a:xfrm>
-            <a:off x="13716942" y="6289144"/>
-            <a:ext cx="4572000" cy="5358384"/>
+            <a:off x="13763378" y="6168630"/>
+            <a:ext cx="4525484" cy="5478898"/>
+          </a:xfrm>
+          <a:prstGeom prst="rect">
+            <a:avLst/>
+          </a:prstGeom>
+        </p:spPr>
+      </p:pic>
+      <p:pic>
+        <p:nvPicPr>
+          <p:cNvPr id="13" name="Picture 12">
+            <a:extLst>
+              <a:ext uri="{FF2B5EF4-FFF2-40B4-BE49-F238E27FC236}">
+                <a16:creationId xmlns:a16="http://schemas.microsoft.com/office/drawing/2014/main" id="{B6F094A0-8403-17CA-6764-FBBDA7B6B678}"/>
+              </a:ext>
+            </a:extLst>
+          </p:cNvPr>
+          <p:cNvPicPr>
+            <a:picLocks noChangeAspect="1"/>
+          </p:cNvPicPr>
+          <p:nvPr/>
+        </p:nvPicPr>
+        <p:blipFill>
+          <a:blip r:embed="rId9"/>
+          <a:stretch>
+            <a:fillRect/>
+          </a:stretch>
+        </p:blipFill>
+        <p:spPr>
+          <a:xfrm>
+            <a:off x="13763378" y="101346"/>
+            <a:ext cx="4489736" cy="5478148"/>
+          </a:xfrm>
+          <a:prstGeom prst="rect">
+            <a:avLst/>
+          </a:prstGeom>
+        </p:spPr>
+      </p:pic>
+      <p:sp>
+        <p:nvSpPr>
+          <p:cNvPr id="14" name="TextBox 13">
+            <a:extLst>
+              <a:ext uri="{FF2B5EF4-FFF2-40B4-BE49-F238E27FC236}">
+                <a16:creationId xmlns:a16="http://schemas.microsoft.com/office/drawing/2014/main" id="{0210DC5D-22F2-B2B3-81BF-5E31F3D81BC2}"/>
+              </a:ext>
+            </a:extLst>
+          </p:cNvPr>
+          <p:cNvSpPr txBox="1"/>
+          <p:nvPr/>
+        </p:nvSpPr>
+        <p:spPr>
+          <a:xfrm>
+            <a:off x="334895" y="101346"/>
+            <a:ext cx="1068518" cy="461665"/>
+          </a:xfrm>
+          <a:prstGeom prst="rect">
+            <a:avLst/>
+          </a:prstGeom>
+          <a:noFill/>
+        </p:spPr>
+        <p:txBody>
+          <a:bodyPr wrap="square" rtlCol="0">
+            <a:spAutoFit/>
+          </a:bodyPr>
+          <a:lstStyle/>
+          <a:p>
+            <a:r>
+              <a:rPr lang="en-US" sz="2400" b="1" dirty="0"/>
+              <a:t>A</a:t>
+            </a:r>
+          </a:p>
+        </p:txBody>
+      </p:sp>
+      <p:pic>
+        <p:nvPicPr>
+          <p:cNvPr id="19" name="Picture 18">
+            <a:extLst>
+              <a:ext uri="{FF2B5EF4-FFF2-40B4-BE49-F238E27FC236}">
+                <a16:creationId xmlns:a16="http://schemas.microsoft.com/office/drawing/2014/main" id="{01C38448-DB96-0EFD-2C21-A8CC570E947E}"/>
+              </a:ext>
+            </a:extLst>
+          </p:cNvPr>
+          <p:cNvPicPr>
+            <a:picLocks noChangeAspect="1"/>
+          </p:cNvPicPr>
+          <p:nvPr/>
+        </p:nvPicPr>
+        <p:blipFill>
+          <a:blip r:embed="rId10"/>
+          <a:stretch>
+            <a:fillRect/>
+          </a:stretch>
+        </p:blipFill>
+        <p:spPr>
+          <a:xfrm>
+            <a:off x="334895" y="2840419"/>
+            <a:ext cx="4471859" cy="5441045"/>
           </a:xfrm>
           <a:prstGeom prst="rect">
             <a:avLst/>
@@ -3629,6 +3663,981 @@
     <p:extLst>
       <p:ext uri="{BB962C8B-B14F-4D97-AF65-F5344CB8AC3E}">
         <p14:creationId xmlns:p14="http://schemas.microsoft.com/office/powerpoint/2010/main" val="2704084148"/>
+      </p:ext>
+    </p:extLst>
+  </p:cSld>
+  <p:clrMapOvr>
+    <a:masterClrMapping/>
+  </p:clrMapOvr>
+</p:sld>
+</file>
+
+<file path=ppt/slides/slide2.xml><?xml version="1.0" encoding="utf-8"?>
+<p:sld xmlns:a="http://schemas.openxmlformats.org/drawingml/2006/main" xmlns:r="http://schemas.openxmlformats.org/officeDocument/2006/relationships" xmlns:p="http://schemas.openxmlformats.org/presentationml/2006/main">
+  <p:cSld>
+    <p:spTree>
+      <p:nvGrpSpPr>
+        <p:cNvPr id="1" name=""/>
+        <p:cNvGrpSpPr/>
+        <p:nvPr/>
+      </p:nvGrpSpPr>
+      <p:grpSpPr>
+        <a:xfrm>
+          <a:off x="0" y="0"/>
+          <a:ext cx="0" cy="0"/>
+          <a:chOff x="0" y="0"/>
+          <a:chExt cx="0" cy="0"/>
+        </a:xfrm>
+      </p:grpSpPr>
+      <p:sp>
+        <p:nvSpPr>
+          <p:cNvPr id="4" name="Equals 3">
+            <a:extLst>
+              <a:ext uri="{FF2B5EF4-FFF2-40B4-BE49-F238E27FC236}">
+                <a16:creationId xmlns:a16="http://schemas.microsoft.com/office/drawing/2014/main" id="{66A24BA5-0830-B994-FD92-068060198E73}"/>
+              </a:ext>
+            </a:extLst>
+          </p:cNvPr>
+          <p:cNvSpPr/>
+          <p:nvPr/>
+        </p:nvSpPr>
+        <p:spPr>
+          <a:xfrm>
+            <a:off x="12170174" y="5025332"/>
+            <a:ext cx="1087614" cy="1070668"/>
+          </a:xfrm>
+          <a:prstGeom prst="mathEqual">
+            <a:avLst/>
+          </a:prstGeom>
+        </p:spPr>
+        <p:style>
+          <a:lnRef idx="2">
+            <a:schemeClr val="dk1">
+              <a:shade val="15000"/>
+            </a:schemeClr>
+          </a:lnRef>
+          <a:fillRef idx="1">
+            <a:schemeClr val="dk1"/>
+          </a:fillRef>
+          <a:effectRef idx="0">
+            <a:schemeClr val="dk1"/>
+          </a:effectRef>
+          <a:fontRef idx="minor">
+            <a:schemeClr val="lt1"/>
+          </a:fontRef>
+        </p:style>
+        <p:txBody>
+          <a:bodyPr rtlCol="0" anchor="ctr"/>
+          <a:lstStyle/>
+          <a:p>
+            <a:pPr algn="ctr"/>
+            <a:endParaRPr lang="en-US">
+              <a:solidFill>
+                <a:schemeClr val="tx1"/>
+              </a:solidFill>
+            </a:endParaRPr>
+          </a:p>
+        </p:txBody>
+      </p:sp>
+      <mc:AlternateContent xmlns:mc="http://schemas.openxmlformats.org/markup-compatibility/2006">
+        <mc:Choice xmlns:a14="http://schemas.microsoft.com/office/drawing/2010/main" Requires="a14">
+          <p:sp>
+            <p:nvSpPr>
+              <p:cNvPr id="5" name="TextBox 4">
+                <a:extLst>
+                  <a:ext uri="{FF2B5EF4-FFF2-40B4-BE49-F238E27FC236}">
+                    <a16:creationId xmlns:a16="http://schemas.microsoft.com/office/drawing/2014/main" id="{B504904D-C1B9-5EDD-844B-E2B253936721}"/>
+                  </a:ext>
+                </a:extLst>
+              </p:cNvPr>
+              <p:cNvSpPr txBox="1"/>
+              <p:nvPr/>
+            </p:nvSpPr>
+            <p:spPr>
+              <a:xfrm>
+                <a:off x="18699696" y="4715760"/>
+                <a:ext cx="947057" cy="1569660"/>
+              </a:xfrm>
+              <a:prstGeom prst="rect">
+                <a:avLst/>
+              </a:prstGeom>
+              <a:noFill/>
+            </p:spPr>
+            <p:txBody>
+              <a:bodyPr wrap="square" rtlCol="0">
+                <a:spAutoFit/>
+              </a:bodyPr>
+              <a:lstStyle/>
+              <a:p>
+                <a:pPr/>
+                <a14:m>
+                  <m:oMathPara xmlns:m="http://schemas.openxmlformats.org/officeDocument/2006/math">
+                    <m:oMathParaPr>
+                      <m:jc m:val="centerGroup"/>
+                    </m:oMathParaPr>
+                    <m:oMath xmlns:m="http://schemas.openxmlformats.org/officeDocument/2006/math">
+                      <m:r>
+                        <a:rPr lang="en-US" sz="9600" i="1">
+                          <a:latin typeface="Cambria Math" panose="02040503050406030204" pitchFamily="18" charset="0"/>
+                          <a:ea typeface="Cambria Math" panose="02040503050406030204" pitchFamily="18" charset="0"/>
+                        </a:rPr>
+                        <m:t>≈</m:t>
+                      </m:r>
+                    </m:oMath>
+                  </m:oMathPara>
+                </a14:m>
+                <a:endParaRPr lang="en-US" sz="9600" dirty="0"/>
+              </a:p>
+            </p:txBody>
+          </p:sp>
+        </mc:Choice>
+        <mc:Fallback>
+          <p:sp>
+            <p:nvSpPr>
+              <p:cNvPr id="5" name="TextBox 4">
+                <a:extLst>
+                  <a:ext uri="{FF2B5EF4-FFF2-40B4-BE49-F238E27FC236}">
+                    <a16:creationId xmlns:a16="http://schemas.microsoft.com/office/drawing/2014/main" id="{B504904D-C1B9-5EDD-844B-E2B253936721}"/>
+                  </a:ext>
+                </a:extLst>
+              </p:cNvPr>
+              <p:cNvSpPr txBox="1">
+                <a:spLocks noRot="1" noChangeAspect="1" noMove="1" noResize="1" noEditPoints="1" noAdjustHandles="1" noChangeArrowheads="1" noChangeShapeType="1" noTextEdit="1"/>
+              </p:cNvSpPr>
+              <p:nvPr/>
+            </p:nvSpPr>
+            <p:spPr>
+              <a:xfrm>
+                <a:off x="18699696" y="4715760"/>
+                <a:ext cx="947057" cy="1569660"/>
+              </a:xfrm>
+              <a:prstGeom prst="rect">
+                <a:avLst/>
+              </a:prstGeom>
+              <a:blipFill>
+                <a:blip r:embed="rId2"/>
+                <a:stretch>
+                  <a:fillRect/>
+                </a:stretch>
+              </a:blipFill>
+            </p:spPr>
+            <p:txBody>
+              <a:bodyPr/>
+              <a:lstStyle/>
+              <a:p>
+                <a:r>
+                  <a:rPr lang="en-US">
+                    <a:noFill/>
+                  </a:rPr>
+                  <a:t> </a:t>
+                </a:r>
+              </a:p>
+            </p:txBody>
+          </p:sp>
+        </mc:Fallback>
+      </mc:AlternateContent>
+      <p:pic>
+        <p:nvPicPr>
+          <p:cNvPr id="6" name="Picture 5">
+            <a:extLst>
+              <a:ext uri="{FF2B5EF4-FFF2-40B4-BE49-F238E27FC236}">
+                <a16:creationId xmlns:a16="http://schemas.microsoft.com/office/drawing/2014/main" id="{A13EFD3E-D9B4-3DE4-ACED-1AF6EAA67B62}"/>
+              </a:ext>
+            </a:extLst>
+          </p:cNvPr>
+          <p:cNvPicPr>
+            <a:picLocks noChangeAspect="1"/>
+          </p:cNvPicPr>
+          <p:nvPr/>
+        </p:nvPicPr>
+        <p:blipFill>
+          <a:blip r:embed="rId3"/>
+          <a:stretch>
+            <a:fillRect/>
+          </a:stretch>
+        </p:blipFill>
+        <p:spPr>
+          <a:xfrm>
+            <a:off x="20104965" y="2821983"/>
+            <a:ext cx="4499682" cy="5399619"/>
+          </a:xfrm>
+          <a:prstGeom prst="rect">
+            <a:avLst/>
+          </a:prstGeom>
+        </p:spPr>
+      </p:pic>
+      <p:pic>
+        <p:nvPicPr>
+          <p:cNvPr id="7" name="Picture 6">
+            <a:extLst>
+              <a:ext uri="{FF2B5EF4-FFF2-40B4-BE49-F238E27FC236}">
+                <a16:creationId xmlns:a16="http://schemas.microsoft.com/office/drawing/2014/main" id="{EC8FF03C-2E71-B827-521F-004CE991C41C}"/>
+              </a:ext>
+            </a:extLst>
+          </p:cNvPr>
+          <p:cNvPicPr>
+            <a:picLocks noChangeAspect="1"/>
+          </p:cNvPicPr>
+          <p:nvPr/>
+        </p:nvPicPr>
+        <p:blipFill>
+          <a:blip r:embed="rId4"/>
+          <a:stretch>
+            <a:fillRect/>
+          </a:stretch>
+        </p:blipFill>
+        <p:spPr>
+          <a:xfrm>
+            <a:off x="7203516" y="2761141"/>
+            <a:ext cx="4643944" cy="5460461"/>
+          </a:xfrm>
+          <a:prstGeom prst="rect">
+            <a:avLst/>
+          </a:prstGeom>
+        </p:spPr>
+      </p:pic>
+      <p:pic>
+        <p:nvPicPr>
+          <p:cNvPr id="8" name="Picture 7">
+            <a:extLst>
+              <a:ext uri="{FF2B5EF4-FFF2-40B4-BE49-F238E27FC236}">
+                <a16:creationId xmlns:a16="http://schemas.microsoft.com/office/drawing/2014/main" id="{72B22ACC-BCD7-2A91-3259-9F722E781D88}"/>
+              </a:ext>
+            </a:extLst>
+          </p:cNvPr>
+          <p:cNvPicPr>
+            <a:picLocks noChangeAspect="1"/>
+          </p:cNvPicPr>
+          <p:nvPr/>
+        </p:nvPicPr>
+        <p:blipFill>
+          <a:blip r:embed="rId5"/>
+          <a:srcRect l="1481"/>
+          <a:stretch>
+            <a:fillRect/>
+          </a:stretch>
+        </p:blipFill>
+        <p:spPr>
+          <a:xfrm>
+            <a:off x="13716000" y="2761141"/>
+            <a:ext cx="4525484" cy="5478898"/>
+          </a:xfrm>
+          <a:prstGeom prst="rect">
+            <a:avLst/>
+          </a:prstGeom>
+        </p:spPr>
+      </p:pic>
+      <p:sp>
+        <p:nvSpPr>
+          <p:cNvPr id="9" name="Plus Sign 8">
+            <a:extLst>
+              <a:ext uri="{FF2B5EF4-FFF2-40B4-BE49-F238E27FC236}">
+                <a16:creationId xmlns:a16="http://schemas.microsoft.com/office/drawing/2014/main" id="{FB1BCAA1-23FE-092F-822C-009608CB2154}"/>
+              </a:ext>
+            </a:extLst>
+          </p:cNvPr>
+          <p:cNvSpPr/>
+          <p:nvPr/>
+        </p:nvSpPr>
+        <p:spPr>
+          <a:xfrm>
+            <a:off x="5948924" y="5081737"/>
+            <a:ext cx="931878" cy="957857"/>
+          </a:xfrm>
+          <a:prstGeom prst="mathPlus">
+            <a:avLst/>
+          </a:prstGeom>
+        </p:spPr>
+        <p:style>
+          <a:lnRef idx="2">
+            <a:schemeClr val="dk1">
+              <a:shade val="15000"/>
+            </a:schemeClr>
+          </a:lnRef>
+          <a:fillRef idx="1">
+            <a:schemeClr val="dk1"/>
+          </a:fillRef>
+          <a:effectRef idx="0">
+            <a:schemeClr val="dk1"/>
+          </a:effectRef>
+          <a:fontRef idx="minor">
+            <a:schemeClr val="lt1"/>
+          </a:fontRef>
+        </p:style>
+        <p:txBody>
+          <a:bodyPr rtlCol="0" anchor="ctr"/>
+          <a:lstStyle/>
+          <a:p>
+            <a:pPr algn="ctr"/>
+            <a:endParaRPr lang="en-US"/>
+          </a:p>
+        </p:txBody>
+      </p:sp>
+      <p:sp>
+        <p:nvSpPr>
+          <p:cNvPr id="10" name="TextBox 9">
+            <a:extLst>
+              <a:ext uri="{FF2B5EF4-FFF2-40B4-BE49-F238E27FC236}">
+                <a16:creationId xmlns:a16="http://schemas.microsoft.com/office/drawing/2014/main" id="{145E8220-9E69-2E9D-A77E-C557189A673E}"/>
+              </a:ext>
+            </a:extLst>
+          </p:cNvPr>
+          <p:cNvSpPr txBox="1"/>
+          <p:nvPr/>
+        </p:nvSpPr>
+        <p:spPr>
+          <a:xfrm>
+            <a:off x="1963740" y="3106253"/>
+            <a:ext cx="3526972" cy="830997"/>
+          </a:xfrm>
+          <a:prstGeom prst="rect">
+            <a:avLst/>
+          </a:prstGeom>
+          <a:ln w="28575"/>
+        </p:spPr>
+        <p:style>
+          <a:lnRef idx="2">
+            <a:schemeClr val="dk1"/>
+          </a:lnRef>
+          <a:fillRef idx="1">
+            <a:schemeClr val="lt1"/>
+          </a:fillRef>
+          <a:effectRef idx="0">
+            <a:schemeClr val="dk1"/>
+          </a:effectRef>
+          <a:fontRef idx="minor">
+            <a:schemeClr val="dk1"/>
+          </a:fontRef>
+        </p:style>
+        <p:txBody>
+          <a:bodyPr wrap="square" rtlCol="0">
+            <a:spAutoFit/>
+          </a:bodyPr>
+          <a:lstStyle/>
+          <a:p>
+            <a:pPr algn="ctr"/>
+            <a:r>
+              <a:rPr lang="en-US" sz="2400" dirty="0"/>
+              <a:t>Initial Values from Hidden Markov Model</a:t>
+            </a:r>
+          </a:p>
+        </p:txBody>
+      </p:sp>
+      <p:sp>
+        <p:nvSpPr>
+          <p:cNvPr id="11" name="TextBox 10">
+            <a:extLst>
+              <a:ext uri="{FF2B5EF4-FFF2-40B4-BE49-F238E27FC236}">
+                <a16:creationId xmlns:a16="http://schemas.microsoft.com/office/drawing/2014/main" id="{50F05179-A5CD-1F6E-BFAC-06B4464C5B23}"/>
+              </a:ext>
+            </a:extLst>
+          </p:cNvPr>
+          <p:cNvSpPr txBox="1"/>
+          <p:nvPr/>
+        </p:nvSpPr>
+        <p:spPr>
+          <a:xfrm>
+            <a:off x="1963740" y="4500856"/>
+            <a:ext cx="3526972" cy="461665"/>
+          </a:xfrm>
+          <a:prstGeom prst="rect">
+            <a:avLst/>
+          </a:prstGeom>
+          <a:ln w="28575"/>
+        </p:spPr>
+        <p:style>
+          <a:lnRef idx="2">
+            <a:schemeClr val="dk1"/>
+          </a:lnRef>
+          <a:fillRef idx="1">
+            <a:schemeClr val="lt1"/>
+          </a:fillRef>
+          <a:effectRef idx="0">
+            <a:schemeClr val="dk1"/>
+          </a:effectRef>
+          <a:fontRef idx="minor">
+            <a:schemeClr val="dk1"/>
+          </a:fontRef>
+        </p:style>
+        <p:txBody>
+          <a:bodyPr wrap="square" rtlCol="0">
+            <a:spAutoFit/>
+          </a:bodyPr>
+          <a:lstStyle/>
+          <a:p>
+            <a:pPr algn="ctr"/>
+            <a:r>
+              <a:rPr lang="en-US" sz="2400" dirty="0"/>
+              <a:t>Expectation Step</a:t>
+            </a:r>
+          </a:p>
+        </p:txBody>
+      </p:sp>
+      <p:sp>
+        <p:nvSpPr>
+          <p:cNvPr id="12" name="TextBox 11">
+            <a:extLst>
+              <a:ext uri="{FF2B5EF4-FFF2-40B4-BE49-F238E27FC236}">
+                <a16:creationId xmlns:a16="http://schemas.microsoft.com/office/drawing/2014/main" id="{6D6F3BAC-17F6-B40F-3D46-B2F433D7FE38}"/>
+              </a:ext>
+            </a:extLst>
+          </p:cNvPr>
+          <p:cNvSpPr txBox="1"/>
+          <p:nvPr/>
+        </p:nvSpPr>
+        <p:spPr>
+          <a:xfrm>
+            <a:off x="1963740" y="5526127"/>
+            <a:ext cx="3526972" cy="461665"/>
+          </a:xfrm>
+          <a:prstGeom prst="rect">
+            <a:avLst/>
+          </a:prstGeom>
+          <a:ln w="28575"/>
+        </p:spPr>
+        <p:style>
+          <a:lnRef idx="2">
+            <a:schemeClr val="dk1"/>
+          </a:lnRef>
+          <a:fillRef idx="1">
+            <a:schemeClr val="lt1"/>
+          </a:fillRef>
+          <a:effectRef idx="0">
+            <a:schemeClr val="dk1"/>
+          </a:effectRef>
+          <a:fontRef idx="minor">
+            <a:schemeClr val="dk1"/>
+          </a:fontRef>
+        </p:style>
+        <p:txBody>
+          <a:bodyPr wrap="square" rtlCol="0">
+            <a:spAutoFit/>
+          </a:bodyPr>
+          <a:lstStyle/>
+          <a:p>
+            <a:pPr algn="ctr"/>
+            <a:r>
+              <a:rPr lang="en-US" sz="2400" dirty="0"/>
+              <a:t>Maximization Step</a:t>
+            </a:r>
+          </a:p>
+        </p:txBody>
+      </p:sp>
+      <p:sp>
+        <p:nvSpPr>
+          <p:cNvPr id="13" name="TextBox 12">
+            <a:extLst>
+              <a:ext uri="{FF2B5EF4-FFF2-40B4-BE49-F238E27FC236}">
+                <a16:creationId xmlns:a16="http://schemas.microsoft.com/office/drawing/2014/main" id="{9B0F8E0A-8AC0-07D7-68A7-582954458585}"/>
+              </a:ext>
+            </a:extLst>
+          </p:cNvPr>
+          <p:cNvSpPr txBox="1"/>
+          <p:nvPr/>
+        </p:nvSpPr>
+        <p:spPr>
+          <a:xfrm>
+            <a:off x="1963740" y="6567932"/>
+            <a:ext cx="3526972" cy="461665"/>
+          </a:xfrm>
+          <a:prstGeom prst="rect">
+            <a:avLst/>
+          </a:prstGeom>
+          <a:ln w="28575"/>
+        </p:spPr>
+        <p:style>
+          <a:lnRef idx="2">
+            <a:schemeClr val="dk1"/>
+          </a:lnRef>
+          <a:fillRef idx="1">
+            <a:schemeClr val="lt1"/>
+          </a:fillRef>
+          <a:effectRef idx="0">
+            <a:schemeClr val="dk1"/>
+          </a:effectRef>
+          <a:fontRef idx="minor">
+            <a:schemeClr val="dk1"/>
+          </a:fontRef>
+        </p:style>
+        <p:txBody>
+          <a:bodyPr wrap="square" rtlCol="0">
+            <a:spAutoFit/>
+          </a:bodyPr>
+          <a:lstStyle/>
+          <a:p>
+            <a:pPr algn="ctr"/>
+            <a:r>
+              <a:rPr lang="en-US" sz="2400" dirty="0"/>
+              <a:t>Converged?</a:t>
+            </a:r>
+          </a:p>
+        </p:txBody>
+      </p:sp>
+      <p:cxnSp>
+        <p:nvCxnSpPr>
+          <p:cNvPr id="15" name="Straight Arrow Connector 14">
+            <a:extLst>
+              <a:ext uri="{FF2B5EF4-FFF2-40B4-BE49-F238E27FC236}">
+                <a16:creationId xmlns:a16="http://schemas.microsoft.com/office/drawing/2014/main" id="{5ECAA7F9-BB2D-9477-6600-266EB9104AD1}"/>
+              </a:ext>
+            </a:extLst>
+          </p:cNvPr>
+          <p:cNvCxnSpPr>
+            <a:stCxn id="10" idx="2"/>
+            <a:endCxn id="11" idx="0"/>
+          </p:cNvCxnSpPr>
+          <p:nvPr/>
+        </p:nvCxnSpPr>
+        <p:spPr>
+          <a:xfrm>
+            <a:off x="3727226" y="3937250"/>
+            <a:ext cx="0" cy="563606"/>
+          </a:xfrm>
+          <a:prstGeom prst="straightConnector1">
+            <a:avLst/>
+          </a:prstGeom>
+          <a:ln w="76200">
+            <a:solidFill>
+              <a:schemeClr val="tx1"/>
+            </a:solidFill>
+            <a:tailEnd type="triangle"/>
+          </a:ln>
+        </p:spPr>
+        <p:style>
+          <a:lnRef idx="2">
+            <a:schemeClr val="accent1"/>
+          </a:lnRef>
+          <a:fillRef idx="0">
+            <a:schemeClr val="accent1"/>
+          </a:fillRef>
+          <a:effectRef idx="1">
+            <a:schemeClr val="accent1"/>
+          </a:effectRef>
+          <a:fontRef idx="minor">
+            <a:schemeClr val="tx1"/>
+          </a:fontRef>
+        </p:style>
+      </p:cxnSp>
+      <p:cxnSp>
+        <p:nvCxnSpPr>
+          <p:cNvPr id="16" name="Straight Arrow Connector 15">
+            <a:extLst>
+              <a:ext uri="{FF2B5EF4-FFF2-40B4-BE49-F238E27FC236}">
+                <a16:creationId xmlns:a16="http://schemas.microsoft.com/office/drawing/2014/main" id="{151F1847-91C2-4AC5-F4DC-B365AF735F70}"/>
+              </a:ext>
+            </a:extLst>
+          </p:cNvPr>
+          <p:cNvCxnSpPr>
+            <a:cxnSpLocks/>
+            <a:stCxn id="11" idx="2"/>
+            <a:endCxn id="12" idx="0"/>
+          </p:cNvCxnSpPr>
+          <p:nvPr/>
+        </p:nvCxnSpPr>
+        <p:spPr>
+          <a:xfrm>
+            <a:off x="3727226" y="4962521"/>
+            <a:ext cx="0" cy="563606"/>
+          </a:xfrm>
+          <a:prstGeom prst="straightConnector1">
+            <a:avLst/>
+          </a:prstGeom>
+          <a:ln w="76200">
+            <a:solidFill>
+              <a:schemeClr val="tx1"/>
+            </a:solidFill>
+            <a:tailEnd type="triangle"/>
+          </a:ln>
+        </p:spPr>
+        <p:style>
+          <a:lnRef idx="2">
+            <a:schemeClr val="accent1"/>
+          </a:lnRef>
+          <a:fillRef idx="0">
+            <a:schemeClr val="accent1"/>
+          </a:fillRef>
+          <a:effectRef idx="1">
+            <a:schemeClr val="accent1"/>
+          </a:effectRef>
+          <a:fontRef idx="minor">
+            <a:schemeClr val="tx1"/>
+          </a:fontRef>
+        </p:style>
+      </p:cxnSp>
+      <p:cxnSp>
+        <p:nvCxnSpPr>
+          <p:cNvPr id="19" name="Straight Arrow Connector 18">
+            <a:extLst>
+              <a:ext uri="{FF2B5EF4-FFF2-40B4-BE49-F238E27FC236}">
+                <a16:creationId xmlns:a16="http://schemas.microsoft.com/office/drawing/2014/main" id="{0419838C-735D-4C7D-C9AB-5F7D907ABF15}"/>
+              </a:ext>
+            </a:extLst>
+          </p:cNvPr>
+          <p:cNvCxnSpPr>
+            <a:cxnSpLocks/>
+            <a:stCxn id="12" idx="2"/>
+            <a:endCxn id="13" idx="0"/>
+          </p:cNvCxnSpPr>
+          <p:nvPr/>
+        </p:nvCxnSpPr>
+        <p:spPr>
+          <a:xfrm>
+            <a:off x="3727226" y="5987792"/>
+            <a:ext cx="0" cy="580140"/>
+          </a:xfrm>
+          <a:prstGeom prst="straightConnector1">
+            <a:avLst/>
+          </a:prstGeom>
+          <a:ln w="76200">
+            <a:solidFill>
+              <a:schemeClr val="tx1"/>
+            </a:solidFill>
+            <a:tailEnd type="triangle"/>
+          </a:ln>
+        </p:spPr>
+        <p:style>
+          <a:lnRef idx="2">
+            <a:schemeClr val="accent1"/>
+          </a:lnRef>
+          <a:fillRef idx="0">
+            <a:schemeClr val="accent1"/>
+          </a:fillRef>
+          <a:effectRef idx="1">
+            <a:schemeClr val="accent1"/>
+          </a:effectRef>
+          <a:fontRef idx="minor">
+            <a:schemeClr val="tx1"/>
+          </a:fontRef>
+        </p:style>
+      </p:cxnSp>
+      <p:cxnSp>
+        <p:nvCxnSpPr>
+          <p:cNvPr id="22" name="Straight Arrow Connector 21">
+            <a:extLst>
+              <a:ext uri="{FF2B5EF4-FFF2-40B4-BE49-F238E27FC236}">
+                <a16:creationId xmlns:a16="http://schemas.microsoft.com/office/drawing/2014/main" id="{500DEAFD-A0F5-B617-5123-246509C294BE}"/>
+              </a:ext>
+            </a:extLst>
+          </p:cNvPr>
+          <p:cNvCxnSpPr>
+            <a:cxnSpLocks/>
+            <a:stCxn id="13" idx="2"/>
+          </p:cNvCxnSpPr>
+          <p:nvPr/>
+        </p:nvCxnSpPr>
+        <p:spPr>
+          <a:xfrm>
+            <a:off x="3727226" y="7029597"/>
+            <a:ext cx="0" cy="748777"/>
+          </a:xfrm>
+          <a:prstGeom prst="straightConnector1">
+            <a:avLst/>
+          </a:prstGeom>
+          <a:ln w="76200">
+            <a:solidFill>
+              <a:schemeClr val="tx1"/>
+            </a:solidFill>
+            <a:tailEnd type="triangle"/>
+          </a:ln>
+        </p:spPr>
+        <p:style>
+          <a:lnRef idx="2">
+            <a:schemeClr val="accent1"/>
+          </a:lnRef>
+          <a:fillRef idx="0">
+            <a:schemeClr val="accent1"/>
+          </a:fillRef>
+          <a:effectRef idx="1">
+            <a:schemeClr val="accent1"/>
+          </a:effectRef>
+          <a:fontRef idx="minor">
+            <a:schemeClr val="tx1"/>
+          </a:fontRef>
+        </p:style>
+      </p:cxnSp>
+      <p:sp>
+        <p:nvSpPr>
+          <p:cNvPr id="26" name="TextBox 25">
+            <a:extLst>
+              <a:ext uri="{FF2B5EF4-FFF2-40B4-BE49-F238E27FC236}">
+                <a16:creationId xmlns:a16="http://schemas.microsoft.com/office/drawing/2014/main" id="{F3E3D2F4-A9F5-E64F-6D03-34D2E0284F43}"/>
+              </a:ext>
+            </a:extLst>
+          </p:cNvPr>
+          <p:cNvSpPr txBox="1"/>
+          <p:nvPr/>
+        </p:nvSpPr>
+        <p:spPr>
+          <a:xfrm>
+            <a:off x="1963740" y="7778374"/>
+            <a:ext cx="3526972" cy="461665"/>
+          </a:xfrm>
+          <a:prstGeom prst="rect">
+            <a:avLst/>
+          </a:prstGeom>
+          <a:ln w="28575"/>
+        </p:spPr>
+        <p:style>
+          <a:lnRef idx="2">
+            <a:schemeClr val="dk1"/>
+          </a:lnRef>
+          <a:fillRef idx="1">
+            <a:schemeClr val="lt1"/>
+          </a:fillRef>
+          <a:effectRef idx="0">
+            <a:schemeClr val="dk1"/>
+          </a:effectRef>
+          <a:fontRef idx="minor">
+            <a:schemeClr val="dk1"/>
+          </a:fontRef>
+        </p:style>
+        <p:txBody>
+          <a:bodyPr wrap="square" rtlCol="0">
+            <a:spAutoFit/>
+          </a:bodyPr>
+          <a:lstStyle/>
+          <a:p>
+            <a:pPr algn="ctr"/>
+            <a:r>
+              <a:rPr lang="en-US" sz="2400" dirty="0"/>
+              <a:t>Next window</a:t>
+            </a:r>
+          </a:p>
+        </p:txBody>
+      </p:sp>
+      <p:sp>
+        <p:nvSpPr>
+          <p:cNvPr id="27" name="TextBox 26">
+            <a:extLst>
+              <a:ext uri="{FF2B5EF4-FFF2-40B4-BE49-F238E27FC236}">
+                <a16:creationId xmlns:a16="http://schemas.microsoft.com/office/drawing/2014/main" id="{B87F54EF-14A5-7EB9-8D9C-17F671C97FA0}"/>
+              </a:ext>
+            </a:extLst>
+          </p:cNvPr>
+          <p:cNvSpPr txBox="1"/>
+          <p:nvPr/>
+        </p:nvSpPr>
+        <p:spPr>
+          <a:xfrm>
+            <a:off x="3800604" y="7148072"/>
+            <a:ext cx="1262743" cy="461665"/>
+          </a:xfrm>
+          <a:prstGeom prst="rect">
+            <a:avLst/>
+          </a:prstGeom>
+          <a:noFill/>
+        </p:spPr>
+        <p:txBody>
+          <a:bodyPr wrap="square" rtlCol="0">
+            <a:spAutoFit/>
+          </a:bodyPr>
+          <a:lstStyle/>
+          <a:p>
+            <a:r>
+              <a:rPr lang="en-US" sz="2400" dirty="0"/>
+              <a:t>Yes</a:t>
+            </a:r>
+          </a:p>
+        </p:txBody>
+      </p:sp>
+      <p:sp>
+        <p:nvSpPr>
+          <p:cNvPr id="28" name="TextBox 27">
+            <a:extLst>
+              <a:ext uri="{FF2B5EF4-FFF2-40B4-BE49-F238E27FC236}">
+                <a16:creationId xmlns:a16="http://schemas.microsoft.com/office/drawing/2014/main" id="{8B0B3F3F-1B90-2945-1BA1-CCC617BBC006}"/>
+              </a:ext>
+            </a:extLst>
+          </p:cNvPr>
+          <p:cNvSpPr txBox="1"/>
+          <p:nvPr/>
+        </p:nvSpPr>
+        <p:spPr>
+          <a:xfrm>
+            <a:off x="1963740" y="2545810"/>
+            <a:ext cx="3526972" cy="523220"/>
+          </a:xfrm>
+          <a:prstGeom prst="rect">
+            <a:avLst/>
+          </a:prstGeom>
+          <a:noFill/>
+        </p:spPr>
+        <p:txBody>
+          <a:bodyPr wrap="square" rtlCol="0">
+            <a:spAutoFit/>
+          </a:bodyPr>
+          <a:lstStyle/>
+          <a:p>
+            <a:pPr algn="ctr"/>
+            <a:r>
+              <a:rPr lang="en-US" sz="2800" b="1" dirty="0"/>
+              <a:t>STITCH</a:t>
+            </a:r>
+          </a:p>
+        </p:txBody>
+      </p:sp>
+      <p:cxnSp>
+        <p:nvCxnSpPr>
+          <p:cNvPr id="40" name="Connector: Elbow 39">
+            <a:extLst>
+              <a:ext uri="{FF2B5EF4-FFF2-40B4-BE49-F238E27FC236}">
+                <a16:creationId xmlns:a16="http://schemas.microsoft.com/office/drawing/2014/main" id="{38939820-F7DB-1B2B-4FB6-4C1464E78296}"/>
+              </a:ext>
+            </a:extLst>
+          </p:cNvPr>
+          <p:cNvCxnSpPr>
+            <a:cxnSpLocks/>
+            <a:stCxn id="13" idx="1"/>
+          </p:cNvCxnSpPr>
+          <p:nvPr/>
+        </p:nvCxnSpPr>
+        <p:spPr>
+          <a:xfrm rot="10800000">
+            <a:off x="1505528" y="4723739"/>
+            <a:ext cx="458212" cy="2075027"/>
+          </a:xfrm>
+          <a:prstGeom prst="bentConnector2">
+            <a:avLst/>
+          </a:prstGeom>
+          <a:ln w="76200">
+            <a:solidFill>
+              <a:schemeClr val="tx1"/>
+            </a:solidFill>
+          </a:ln>
+        </p:spPr>
+        <p:style>
+          <a:lnRef idx="2">
+            <a:schemeClr val="accent1"/>
+          </a:lnRef>
+          <a:fillRef idx="0">
+            <a:schemeClr val="accent1"/>
+          </a:fillRef>
+          <a:effectRef idx="1">
+            <a:schemeClr val="accent1"/>
+          </a:effectRef>
+          <a:fontRef idx="minor">
+            <a:schemeClr val="tx1"/>
+          </a:fontRef>
+        </p:style>
+      </p:cxnSp>
+      <p:cxnSp>
+        <p:nvCxnSpPr>
+          <p:cNvPr id="45" name="Straight Arrow Connector 44">
+            <a:extLst>
+              <a:ext uri="{FF2B5EF4-FFF2-40B4-BE49-F238E27FC236}">
+                <a16:creationId xmlns:a16="http://schemas.microsoft.com/office/drawing/2014/main" id="{CB02006A-0830-5A30-2E84-72F2242CC167}"/>
+              </a:ext>
+            </a:extLst>
+          </p:cNvPr>
+          <p:cNvCxnSpPr>
+            <a:cxnSpLocks/>
+          </p:cNvCxnSpPr>
+          <p:nvPr/>
+        </p:nvCxnSpPr>
+        <p:spPr>
+          <a:xfrm>
+            <a:off x="1464766" y="4731689"/>
+            <a:ext cx="484632" cy="0"/>
+          </a:xfrm>
+          <a:prstGeom prst="straightConnector1">
+            <a:avLst/>
+          </a:prstGeom>
+          <a:ln w="76200">
+            <a:solidFill>
+              <a:schemeClr val="tx1"/>
+            </a:solidFill>
+            <a:tailEnd type="triangle"/>
+          </a:ln>
+        </p:spPr>
+        <p:style>
+          <a:lnRef idx="2">
+            <a:schemeClr val="accent1"/>
+          </a:lnRef>
+          <a:fillRef idx="0">
+            <a:schemeClr val="accent1"/>
+          </a:fillRef>
+          <a:effectRef idx="1">
+            <a:schemeClr val="accent1"/>
+          </a:effectRef>
+          <a:fontRef idx="minor">
+            <a:schemeClr val="tx1"/>
+          </a:fontRef>
+        </p:style>
+      </p:cxnSp>
+      <p:sp>
+        <p:nvSpPr>
+          <p:cNvPr id="53" name="TextBox 52">
+            <a:extLst>
+              <a:ext uri="{FF2B5EF4-FFF2-40B4-BE49-F238E27FC236}">
+                <a16:creationId xmlns:a16="http://schemas.microsoft.com/office/drawing/2014/main" id="{2D0630A2-A514-95E7-146C-DA006F7EC3DB}"/>
+              </a:ext>
+            </a:extLst>
+          </p:cNvPr>
+          <p:cNvSpPr txBox="1"/>
+          <p:nvPr/>
+        </p:nvSpPr>
+        <p:spPr>
+          <a:xfrm>
+            <a:off x="895221" y="5526127"/>
+            <a:ext cx="1068518" cy="461665"/>
+          </a:xfrm>
+          <a:prstGeom prst="rect">
+            <a:avLst/>
+          </a:prstGeom>
+          <a:noFill/>
+        </p:spPr>
+        <p:txBody>
+          <a:bodyPr wrap="square" rtlCol="0">
+            <a:spAutoFit/>
+          </a:bodyPr>
+          <a:lstStyle/>
+          <a:p>
+            <a:r>
+              <a:rPr lang="en-US" sz="2400" dirty="0"/>
+              <a:t>No</a:t>
+            </a:r>
+          </a:p>
+        </p:txBody>
+      </p:sp>
+      <p:sp>
+        <p:nvSpPr>
+          <p:cNvPr id="54" name="TextBox 53">
+            <a:extLst>
+              <a:ext uri="{FF2B5EF4-FFF2-40B4-BE49-F238E27FC236}">
+                <a16:creationId xmlns:a16="http://schemas.microsoft.com/office/drawing/2014/main" id="{483852A2-8D95-4D91-80F6-E5A1DD80CD8E}"/>
+              </a:ext>
+            </a:extLst>
+          </p:cNvPr>
+          <p:cNvSpPr txBox="1"/>
+          <p:nvPr/>
+        </p:nvSpPr>
+        <p:spPr>
+          <a:xfrm>
+            <a:off x="930507" y="2064446"/>
+            <a:ext cx="1068518" cy="461665"/>
+          </a:xfrm>
+          <a:prstGeom prst="rect">
+            <a:avLst/>
+          </a:prstGeom>
+          <a:noFill/>
+        </p:spPr>
+        <p:txBody>
+          <a:bodyPr wrap="square" rtlCol="0">
+            <a:spAutoFit/>
+          </a:bodyPr>
+          <a:lstStyle/>
+          <a:p>
+            <a:r>
+              <a:rPr lang="en-US" sz="2400" b="1" dirty="0"/>
+              <a:t>B</a:t>
+            </a:r>
+          </a:p>
+        </p:txBody>
+      </p:sp>
+    </p:spTree>
+    <p:extLst>
+      <p:ext uri="{BB962C8B-B14F-4D97-AF65-F5344CB8AC3E}">
+        <p14:creationId xmlns:p14="http://schemas.microsoft.com/office/powerpoint/2010/main" val="1044763772"/>
       </p:ext>
     </p:extLst>
   </p:cSld>
